--- a/Java Training – Part 2.pptx
+++ b/Java Training – Part 2.pptx
@@ -4358,7 +4358,11 @@
             </a:pPr>
             <a:r>
               <a:rPr lang="en-US" dirty="0" smtClean="0"/>
-              <a:t>Possible actions</a:t>
+              <a:t> Possible </a:t>
+            </a:r>
+            <a:r>
+              <a:rPr lang="en-US" dirty="0" smtClean="0"/>
+              <a:t>actions</a:t>
             </a:r>
           </a:p>
           <a:p>
@@ -4475,7 +4479,315 @@
   <p:timing>
     <p:tnLst>
       <p:par>
-        <p:cTn id="1" dur="indefinite" restart="never" nodeType="tmRoot"/>
+        <p:cTn id="1" dur="indefinite" restart="never" nodeType="tmRoot">
+          <p:childTnLst>
+            <p:seq concurrent="1" nextAc="seek">
+              <p:cTn id="2" dur="indefinite" nodeType="mainSeq">
+                <p:childTnLst>
+                  <p:par>
+                    <p:cTn id="3" fill="hold">
+                      <p:stCondLst>
+                        <p:cond delay="indefinite"/>
+                      </p:stCondLst>
+                      <p:childTnLst>
+                        <p:par>
+                          <p:cTn id="4" fill="hold">
+                            <p:stCondLst>
+                              <p:cond delay="0"/>
+                            </p:stCondLst>
+                            <p:childTnLst>
+                              <p:par>
+                                <p:cTn id="5" presetID="1" presetClass="entr" presetSubtype="0" fill="hold" nodeType="clickEffect">
+                                  <p:stCondLst>
+                                    <p:cond delay="0"/>
+                                  </p:stCondLst>
+                                  <p:childTnLst>
+                                    <p:set>
+                                      <p:cBhvr>
+                                        <p:cTn id="6" dur="1" fill="hold">
+                                          <p:stCondLst>
+                                            <p:cond delay="0"/>
+                                          </p:stCondLst>
+                                        </p:cTn>
+                                        <p:tgtEl>
+                                          <p:spTgt spid="3">
+                                            <p:txEl>
+                                              <p:pRg st="0" end="0"/>
+                                            </p:txEl>
+                                          </p:spTgt>
+                                        </p:tgtEl>
+                                        <p:attrNameLst>
+                                          <p:attrName>style.visibility</p:attrName>
+                                        </p:attrNameLst>
+                                      </p:cBhvr>
+                                      <p:to>
+                                        <p:strVal val="visible"/>
+                                      </p:to>
+                                    </p:set>
+                                  </p:childTnLst>
+                                </p:cTn>
+                              </p:par>
+                            </p:childTnLst>
+                          </p:cTn>
+                        </p:par>
+                      </p:childTnLst>
+                    </p:cTn>
+                  </p:par>
+                  <p:par>
+                    <p:cTn id="7" fill="hold">
+                      <p:stCondLst>
+                        <p:cond delay="indefinite"/>
+                      </p:stCondLst>
+                      <p:childTnLst>
+                        <p:par>
+                          <p:cTn id="8" fill="hold">
+                            <p:stCondLst>
+                              <p:cond delay="0"/>
+                            </p:stCondLst>
+                            <p:childTnLst>
+                              <p:par>
+                                <p:cTn id="9" presetID="1" presetClass="entr" presetSubtype="0" fill="hold" nodeType="clickEffect">
+                                  <p:stCondLst>
+                                    <p:cond delay="0"/>
+                                  </p:stCondLst>
+                                  <p:childTnLst>
+                                    <p:set>
+                                      <p:cBhvr>
+                                        <p:cTn id="10" dur="1" fill="hold">
+                                          <p:stCondLst>
+                                            <p:cond delay="0"/>
+                                          </p:stCondLst>
+                                        </p:cTn>
+                                        <p:tgtEl>
+                                          <p:spTgt spid="3">
+                                            <p:txEl>
+                                              <p:pRg st="1" end="1"/>
+                                            </p:txEl>
+                                          </p:spTgt>
+                                        </p:tgtEl>
+                                        <p:attrNameLst>
+                                          <p:attrName>style.visibility</p:attrName>
+                                        </p:attrNameLst>
+                                      </p:cBhvr>
+                                      <p:to>
+                                        <p:strVal val="visible"/>
+                                      </p:to>
+                                    </p:set>
+                                  </p:childTnLst>
+                                </p:cTn>
+                              </p:par>
+                            </p:childTnLst>
+                          </p:cTn>
+                        </p:par>
+                      </p:childTnLst>
+                    </p:cTn>
+                  </p:par>
+                  <p:par>
+                    <p:cTn id="11" fill="hold">
+                      <p:stCondLst>
+                        <p:cond delay="indefinite"/>
+                      </p:stCondLst>
+                      <p:childTnLst>
+                        <p:par>
+                          <p:cTn id="12" fill="hold">
+                            <p:stCondLst>
+                              <p:cond delay="0"/>
+                            </p:stCondLst>
+                            <p:childTnLst>
+                              <p:par>
+                                <p:cTn id="13" presetID="1" presetClass="entr" presetSubtype="0" fill="hold" nodeType="clickEffect">
+                                  <p:stCondLst>
+                                    <p:cond delay="0"/>
+                                  </p:stCondLst>
+                                  <p:childTnLst>
+                                    <p:set>
+                                      <p:cBhvr>
+                                        <p:cTn id="14" dur="1" fill="hold">
+                                          <p:stCondLst>
+                                            <p:cond delay="0"/>
+                                          </p:stCondLst>
+                                        </p:cTn>
+                                        <p:tgtEl>
+                                          <p:spTgt spid="6"/>
+                                        </p:tgtEl>
+                                        <p:attrNameLst>
+                                          <p:attrName>style.visibility</p:attrName>
+                                        </p:attrNameLst>
+                                      </p:cBhvr>
+                                      <p:to>
+                                        <p:strVal val="visible"/>
+                                      </p:to>
+                                    </p:set>
+                                  </p:childTnLst>
+                                </p:cTn>
+                              </p:par>
+                            </p:childTnLst>
+                          </p:cTn>
+                        </p:par>
+                      </p:childTnLst>
+                    </p:cTn>
+                  </p:par>
+                  <p:par>
+                    <p:cTn id="15" fill="hold">
+                      <p:stCondLst>
+                        <p:cond delay="indefinite"/>
+                      </p:stCondLst>
+                      <p:childTnLst>
+                        <p:par>
+                          <p:cTn id="16" fill="hold">
+                            <p:stCondLst>
+                              <p:cond delay="0"/>
+                            </p:stCondLst>
+                            <p:childTnLst>
+                              <p:par>
+                                <p:cTn id="17" presetID="1" presetClass="entr" presetSubtype="0" fill="hold" nodeType="clickEffect">
+                                  <p:stCondLst>
+                                    <p:cond delay="0"/>
+                                  </p:stCondLst>
+                                  <p:childTnLst>
+                                    <p:set>
+                                      <p:cBhvr>
+                                        <p:cTn id="18" dur="1" fill="hold">
+                                          <p:stCondLst>
+                                            <p:cond delay="0"/>
+                                          </p:stCondLst>
+                                        </p:cTn>
+                                        <p:tgtEl>
+                                          <p:spTgt spid="3">
+                                            <p:txEl>
+                                              <p:pRg st="2" end="2"/>
+                                            </p:txEl>
+                                          </p:spTgt>
+                                        </p:tgtEl>
+                                        <p:attrNameLst>
+                                          <p:attrName>style.visibility</p:attrName>
+                                        </p:attrNameLst>
+                                      </p:cBhvr>
+                                      <p:to>
+                                        <p:strVal val="visible"/>
+                                      </p:to>
+                                    </p:set>
+                                  </p:childTnLst>
+                                </p:cTn>
+                              </p:par>
+                              <p:par>
+                                <p:cTn id="19" presetID="1" presetClass="entr" presetSubtype="0" fill="hold" nodeType="withEffect">
+                                  <p:stCondLst>
+                                    <p:cond delay="0"/>
+                                  </p:stCondLst>
+                                  <p:childTnLst>
+                                    <p:set>
+                                      <p:cBhvr>
+                                        <p:cTn id="20" dur="1" fill="hold">
+                                          <p:stCondLst>
+                                            <p:cond delay="0"/>
+                                          </p:stCondLst>
+                                        </p:cTn>
+                                        <p:tgtEl>
+                                          <p:spTgt spid="3">
+                                            <p:txEl>
+                                              <p:pRg st="3" end="3"/>
+                                            </p:txEl>
+                                          </p:spTgt>
+                                        </p:tgtEl>
+                                        <p:attrNameLst>
+                                          <p:attrName>style.visibility</p:attrName>
+                                        </p:attrNameLst>
+                                      </p:cBhvr>
+                                      <p:to>
+                                        <p:strVal val="visible"/>
+                                      </p:to>
+                                    </p:set>
+                                  </p:childTnLst>
+                                </p:cTn>
+                              </p:par>
+                              <p:par>
+                                <p:cTn id="21" presetID="1" presetClass="entr" presetSubtype="0" fill="hold" nodeType="withEffect">
+                                  <p:stCondLst>
+                                    <p:cond delay="0"/>
+                                  </p:stCondLst>
+                                  <p:childTnLst>
+                                    <p:set>
+                                      <p:cBhvr>
+                                        <p:cTn id="22" dur="1" fill="hold">
+                                          <p:stCondLst>
+                                            <p:cond delay="0"/>
+                                          </p:stCondLst>
+                                        </p:cTn>
+                                        <p:tgtEl>
+                                          <p:spTgt spid="3">
+                                            <p:txEl>
+                                              <p:pRg st="4" end="4"/>
+                                            </p:txEl>
+                                          </p:spTgt>
+                                        </p:tgtEl>
+                                        <p:attrNameLst>
+                                          <p:attrName>style.visibility</p:attrName>
+                                        </p:attrNameLst>
+                                      </p:cBhvr>
+                                      <p:to>
+                                        <p:strVal val="visible"/>
+                                      </p:to>
+                                    </p:set>
+                                  </p:childTnLst>
+                                </p:cTn>
+                              </p:par>
+                              <p:par>
+                                <p:cTn id="23" presetID="1" presetClass="entr" presetSubtype="0" fill="hold" nodeType="withEffect">
+                                  <p:stCondLst>
+                                    <p:cond delay="0"/>
+                                  </p:stCondLst>
+                                  <p:childTnLst>
+                                    <p:set>
+                                      <p:cBhvr>
+                                        <p:cTn id="24" dur="1" fill="hold">
+                                          <p:stCondLst>
+                                            <p:cond delay="0"/>
+                                          </p:stCondLst>
+                                        </p:cTn>
+                                        <p:tgtEl>
+                                          <p:spTgt spid="3">
+                                            <p:txEl>
+                                              <p:pRg st="5" end="5"/>
+                                            </p:txEl>
+                                          </p:spTgt>
+                                        </p:tgtEl>
+                                        <p:attrNameLst>
+                                          <p:attrName>style.visibility</p:attrName>
+                                        </p:attrNameLst>
+                                      </p:cBhvr>
+                                      <p:to>
+                                        <p:strVal val="visible"/>
+                                      </p:to>
+                                    </p:set>
+                                  </p:childTnLst>
+                                </p:cTn>
+                              </p:par>
+                            </p:childTnLst>
+                          </p:cTn>
+                        </p:par>
+                      </p:childTnLst>
+                    </p:cTn>
+                  </p:par>
+                </p:childTnLst>
+              </p:cTn>
+              <p:prevCondLst>
+                <p:cond evt="onPrev" delay="0">
+                  <p:tgtEl>
+                    <p:sldTgt/>
+                  </p:tgtEl>
+                </p:cond>
+              </p:prevCondLst>
+              <p:nextCondLst>
+                <p:cond evt="onNext" delay="0">
+                  <p:tgtEl>
+                    <p:sldTgt/>
+                  </p:tgtEl>
+                </p:cond>
+              </p:nextCondLst>
+            </p:seq>
+          </p:childTnLst>
+        </p:cTn>
       </p:par>
     </p:tnLst>
   </p:timing>
@@ -4648,7 +4960,271 @@
   <p:timing>
     <p:tnLst>
       <p:par>
-        <p:cTn id="1" dur="indefinite" restart="never" nodeType="tmRoot"/>
+        <p:cTn id="1" dur="indefinite" restart="never" nodeType="tmRoot">
+          <p:childTnLst>
+            <p:seq concurrent="1" nextAc="seek">
+              <p:cTn id="2" dur="indefinite" nodeType="mainSeq">
+                <p:childTnLst>
+                  <p:par>
+                    <p:cTn id="3" fill="hold">
+                      <p:stCondLst>
+                        <p:cond delay="indefinite"/>
+                      </p:stCondLst>
+                      <p:childTnLst>
+                        <p:par>
+                          <p:cTn id="4" fill="hold">
+                            <p:stCondLst>
+                              <p:cond delay="0"/>
+                            </p:stCondLst>
+                            <p:childTnLst>
+                              <p:par>
+                                <p:cTn id="5" presetID="1" presetClass="entr" presetSubtype="0" fill="hold" nodeType="clickEffect">
+                                  <p:stCondLst>
+                                    <p:cond delay="0"/>
+                                  </p:stCondLst>
+                                  <p:childTnLst>
+                                    <p:set>
+                                      <p:cBhvr>
+                                        <p:cTn id="6" dur="1" fill="hold">
+                                          <p:stCondLst>
+                                            <p:cond delay="0"/>
+                                          </p:stCondLst>
+                                        </p:cTn>
+                                        <p:tgtEl>
+                                          <p:spTgt spid="3">
+                                            <p:txEl>
+                                              <p:pRg st="0" end="0"/>
+                                            </p:txEl>
+                                          </p:spTgt>
+                                        </p:tgtEl>
+                                        <p:attrNameLst>
+                                          <p:attrName>style.visibility</p:attrName>
+                                        </p:attrNameLst>
+                                      </p:cBhvr>
+                                      <p:to>
+                                        <p:strVal val="visible"/>
+                                      </p:to>
+                                    </p:set>
+                                  </p:childTnLst>
+                                </p:cTn>
+                              </p:par>
+                            </p:childTnLst>
+                          </p:cTn>
+                        </p:par>
+                      </p:childTnLst>
+                    </p:cTn>
+                  </p:par>
+                  <p:par>
+                    <p:cTn id="7" fill="hold">
+                      <p:stCondLst>
+                        <p:cond delay="indefinite"/>
+                      </p:stCondLst>
+                      <p:childTnLst>
+                        <p:par>
+                          <p:cTn id="8" fill="hold">
+                            <p:stCondLst>
+                              <p:cond delay="0"/>
+                            </p:stCondLst>
+                            <p:childTnLst>
+                              <p:par>
+                                <p:cTn id="9" presetID="1" presetClass="entr" presetSubtype="0" fill="hold" nodeType="clickEffect">
+                                  <p:stCondLst>
+                                    <p:cond delay="0"/>
+                                  </p:stCondLst>
+                                  <p:childTnLst>
+                                    <p:set>
+                                      <p:cBhvr>
+                                        <p:cTn id="10" dur="1" fill="hold">
+                                          <p:stCondLst>
+                                            <p:cond delay="0"/>
+                                          </p:stCondLst>
+                                        </p:cTn>
+                                        <p:tgtEl>
+                                          <p:spTgt spid="3">
+                                            <p:txEl>
+                                              <p:pRg st="1" end="1"/>
+                                            </p:txEl>
+                                          </p:spTgt>
+                                        </p:tgtEl>
+                                        <p:attrNameLst>
+                                          <p:attrName>style.visibility</p:attrName>
+                                        </p:attrNameLst>
+                                      </p:cBhvr>
+                                      <p:to>
+                                        <p:strVal val="visible"/>
+                                      </p:to>
+                                    </p:set>
+                                  </p:childTnLst>
+                                </p:cTn>
+                              </p:par>
+                            </p:childTnLst>
+                          </p:cTn>
+                        </p:par>
+                      </p:childTnLst>
+                    </p:cTn>
+                  </p:par>
+                  <p:par>
+                    <p:cTn id="11" fill="hold">
+                      <p:stCondLst>
+                        <p:cond delay="indefinite"/>
+                      </p:stCondLst>
+                      <p:childTnLst>
+                        <p:par>
+                          <p:cTn id="12" fill="hold">
+                            <p:stCondLst>
+                              <p:cond delay="0"/>
+                            </p:stCondLst>
+                            <p:childTnLst>
+                              <p:par>
+                                <p:cTn id="13" presetID="1" presetClass="entr" presetSubtype="0" fill="hold" nodeType="clickEffect">
+                                  <p:stCondLst>
+                                    <p:cond delay="0"/>
+                                  </p:stCondLst>
+                                  <p:childTnLst>
+                                    <p:set>
+                                      <p:cBhvr>
+                                        <p:cTn id="14" dur="1" fill="hold">
+                                          <p:stCondLst>
+                                            <p:cond delay="0"/>
+                                          </p:stCondLst>
+                                        </p:cTn>
+                                        <p:tgtEl>
+                                          <p:spTgt spid="3">
+                                            <p:txEl>
+                                              <p:pRg st="2" end="2"/>
+                                            </p:txEl>
+                                          </p:spTgt>
+                                        </p:tgtEl>
+                                        <p:attrNameLst>
+                                          <p:attrName>style.visibility</p:attrName>
+                                        </p:attrNameLst>
+                                      </p:cBhvr>
+                                      <p:to>
+                                        <p:strVal val="visible"/>
+                                      </p:to>
+                                    </p:set>
+                                  </p:childTnLst>
+                                </p:cTn>
+                              </p:par>
+                            </p:childTnLst>
+                          </p:cTn>
+                        </p:par>
+                      </p:childTnLst>
+                    </p:cTn>
+                  </p:par>
+                  <p:par>
+                    <p:cTn id="15" fill="hold">
+                      <p:stCondLst>
+                        <p:cond delay="indefinite"/>
+                      </p:stCondLst>
+                      <p:childTnLst>
+                        <p:par>
+                          <p:cTn id="16" fill="hold">
+                            <p:stCondLst>
+                              <p:cond delay="0"/>
+                            </p:stCondLst>
+                            <p:childTnLst>
+                              <p:par>
+                                <p:cTn id="17" presetID="1" presetClass="entr" presetSubtype="0" fill="hold" nodeType="clickEffect">
+                                  <p:stCondLst>
+                                    <p:cond delay="0"/>
+                                  </p:stCondLst>
+                                  <p:childTnLst>
+                                    <p:set>
+                                      <p:cBhvr>
+                                        <p:cTn id="18" dur="1" fill="hold">
+                                          <p:stCondLst>
+                                            <p:cond delay="0"/>
+                                          </p:stCondLst>
+                                        </p:cTn>
+                                        <p:tgtEl>
+                                          <p:spTgt spid="3">
+                                            <p:txEl>
+                                              <p:pRg st="3" end="3"/>
+                                            </p:txEl>
+                                          </p:spTgt>
+                                        </p:tgtEl>
+                                        <p:attrNameLst>
+                                          <p:attrName>style.visibility</p:attrName>
+                                        </p:attrNameLst>
+                                      </p:cBhvr>
+                                      <p:to>
+                                        <p:strVal val="visible"/>
+                                      </p:to>
+                                    </p:set>
+                                  </p:childTnLst>
+                                </p:cTn>
+                              </p:par>
+                            </p:childTnLst>
+                          </p:cTn>
+                        </p:par>
+                      </p:childTnLst>
+                    </p:cTn>
+                  </p:par>
+                  <p:par>
+                    <p:cTn id="19" fill="hold">
+                      <p:stCondLst>
+                        <p:cond delay="indefinite"/>
+                      </p:stCondLst>
+                      <p:childTnLst>
+                        <p:par>
+                          <p:cTn id="20" fill="hold">
+                            <p:stCondLst>
+                              <p:cond delay="0"/>
+                            </p:stCondLst>
+                            <p:childTnLst>
+                              <p:par>
+                                <p:cTn id="21" presetID="1" presetClass="entr" presetSubtype="0" fill="hold" nodeType="clickEffect">
+                                  <p:stCondLst>
+                                    <p:cond delay="0"/>
+                                  </p:stCondLst>
+                                  <p:childTnLst>
+                                    <p:set>
+                                      <p:cBhvr>
+                                        <p:cTn id="22" dur="1" fill="hold">
+                                          <p:stCondLst>
+                                            <p:cond delay="0"/>
+                                          </p:stCondLst>
+                                        </p:cTn>
+                                        <p:tgtEl>
+                                          <p:spTgt spid="4"/>
+                                        </p:tgtEl>
+                                        <p:attrNameLst>
+                                          <p:attrName>style.visibility</p:attrName>
+                                        </p:attrNameLst>
+                                      </p:cBhvr>
+                                      <p:to>
+                                        <p:strVal val="visible"/>
+                                      </p:to>
+                                    </p:set>
+                                  </p:childTnLst>
+                                </p:cTn>
+                              </p:par>
+                            </p:childTnLst>
+                          </p:cTn>
+                        </p:par>
+                      </p:childTnLst>
+                    </p:cTn>
+                  </p:par>
+                </p:childTnLst>
+              </p:cTn>
+              <p:prevCondLst>
+                <p:cond evt="onPrev" delay="0">
+                  <p:tgtEl>
+                    <p:sldTgt/>
+                  </p:tgtEl>
+                </p:cond>
+              </p:prevCondLst>
+              <p:nextCondLst>
+                <p:cond evt="onNext" delay="0">
+                  <p:tgtEl>
+                    <p:sldTgt/>
+                  </p:tgtEl>
+                </p:cond>
+              </p:nextCondLst>
+            </p:seq>
+          </p:childTnLst>
+        </p:cTn>
       </p:par>
     </p:tnLst>
   </p:timing>
@@ -4723,11 +5299,7 @@
             <a:pPr algn="ctr"/>
             <a:r>
               <a:rPr lang="ro-RO" sz="4400" dirty="0" smtClean="0"/>
-              <a:t>Thank you</a:t>
-            </a:r>
-            <a:r>
-              <a:rPr lang="ro-RO" sz="4400" dirty="0" smtClean="0"/>
-              <a:t>!</a:t>
+              <a:t>Thank you!</a:t>
             </a:r>
             <a:endParaRPr lang="en-US" sz="4400" dirty="0" smtClean="0"/>
           </a:p>
@@ -4964,11 +5536,7 @@
             </a:r>
             <a:r>
               <a:rPr lang="ro-RO" dirty="0" smtClean="0"/>
-              <a:t> </a:t>
-            </a:r>
-            <a:r>
-              <a:rPr lang="ro-RO" dirty="0" smtClean="0"/>
-              <a:t>– </a:t>
+              <a:t> – </a:t>
             </a:r>
             <a:r>
               <a:rPr lang="en-US" dirty="0" err="1" smtClean="0"/>
@@ -5105,7 +5673,7 @@
                             </p:stCondLst>
                             <p:childTnLst>
                               <p:par>
-                                <p:cTn id="5" presetID="10" presetClass="entr" presetSubtype="0" fill="hold" nodeType="clickEffect">
+                                <p:cTn id="5" presetID="1" presetClass="entr" presetSubtype="0" fill="hold" nodeType="clickEffect">
                                   <p:stCondLst>
                                     <p:cond delay="0"/>
                                   </p:stCondLst>
@@ -5132,18 +5700,6 @@
                                         <p:strVal val="visible"/>
                                       </p:to>
                                     </p:set>
-                                    <p:animEffect transition="in" filter="fade">
-                                      <p:cBhvr>
-                                        <p:cTn id="7" dur="500"/>
-                                        <p:tgtEl>
-                                          <p:spTgt spid="3">
-                                            <p:txEl>
-                                              <p:pRg st="0" end="0"/>
-                                            </p:txEl>
-                                          </p:spTgt>
-                                        </p:tgtEl>
-                                      </p:cBhvr>
-                                    </p:animEffect>
                                   </p:childTnLst>
                                 </p:cTn>
                               </p:par>
@@ -5154,26 +5710,26 @@
                     </p:cTn>
                   </p:par>
                   <p:par>
-                    <p:cTn id="8" fill="hold">
+                    <p:cTn id="7" fill="hold">
                       <p:stCondLst>
                         <p:cond delay="indefinite"/>
                       </p:stCondLst>
                       <p:childTnLst>
                         <p:par>
-                          <p:cTn id="9" fill="hold">
+                          <p:cTn id="8" fill="hold">
                             <p:stCondLst>
                               <p:cond delay="0"/>
                             </p:stCondLst>
                             <p:childTnLst>
                               <p:par>
-                                <p:cTn id="10" presetID="10" presetClass="entr" presetSubtype="0" fill="hold" nodeType="clickEffect">
+                                <p:cTn id="9" presetID="1" presetClass="entr" presetSubtype="0" fill="hold" nodeType="clickEffect">
                                   <p:stCondLst>
                                     <p:cond delay="0"/>
                                   </p:stCondLst>
                                   <p:childTnLst>
                                     <p:set>
                                       <p:cBhvr>
-                                        <p:cTn id="11" dur="1" fill="hold">
+                                        <p:cTn id="10" dur="1" fill="hold">
                                           <p:stCondLst>
                                             <p:cond delay="0"/>
                                           </p:stCondLst>
@@ -5193,18 +5749,6 @@
                                         <p:strVal val="visible"/>
                                       </p:to>
                                     </p:set>
-                                    <p:animEffect transition="in" filter="fade">
-                                      <p:cBhvr>
-                                        <p:cTn id="12" dur="500"/>
-                                        <p:tgtEl>
-                                          <p:spTgt spid="3">
-                                            <p:txEl>
-                                              <p:pRg st="1" end="1"/>
-                                            </p:txEl>
-                                          </p:spTgt>
-                                        </p:tgtEl>
-                                      </p:cBhvr>
-                                    </p:animEffect>
                                   </p:childTnLst>
                                 </p:cTn>
                               </p:par>
@@ -5215,26 +5759,26 @@
                     </p:cTn>
                   </p:par>
                   <p:par>
-                    <p:cTn id="13" fill="hold">
+                    <p:cTn id="11" fill="hold">
                       <p:stCondLst>
                         <p:cond delay="indefinite"/>
                       </p:stCondLst>
                       <p:childTnLst>
                         <p:par>
-                          <p:cTn id="14" fill="hold">
+                          <p:cTn id="12" fill="hold">
                             <p:stCondLst>
                               <p:cond delay="0"/>
                             </p:stCondLst>
                             <p:childTnLst>
                               <p:par>
-                                <p:cTn id="15" presetID="10" presetClass="entr" presetSubtype="0" fill="hold" nodeType="clickEffect">
+                                <p:cTn id="13" presetID="1" presetClass="entr" presetSubtype="0" fill="hold" nodeType="clickEffect">
                                   <p:stCondLst>
                                     <p:cond delay="0"/>
                                   </p:stCondLst>
                                   <p:childTnLst>
                                     <p:set>
                                       <p:cBhvr>
-                                        <p:cTn id="16" dur="1" fill="hold">
+                                        <p:cTn id="14" dur="1" fill="hold">
                                           <p:stCondLst>
                                             <p:cond delay="0"/>
                                           </p:stCondLst>
@@ -5254,18 +5798,6 @@
                                         <p:strVal val="visible"/>
                                       </p:to>
                                     </p:set>
-                                    <p:animEffect transition="in" filter="fade">
-                                      <p:cBhvr>
-                                        <p:cTn id="17" dur="500"/>
-                                        <p:tgtEl>
-                                          <p:spTgt spid="3">
-                                            <p:txEl>
-                                              <p:pRg st="2" end="2"/>
-                                            </p:txEl>
-                                          </p:spTgt>
-                                        </p:tgtEl>
-                                      </p:cBhvr>
-                                    </p:animEffect>
                                   </p:childTnLst>
                                 </p:cTn>
                               </p:par>
@@ -5276,26 +5808,26 @@
                     </p:cTn>
                   </p:par>
                   <p:par>
-                    <p:cTn id="18" fill="hold">
+                    <p:cTn id="15" fill="hold">
                       <p:stCondLst>
                         <p:cond delay="indefinite"/>
                       </p:stCondLst>
                       <p:childTnLst>
                         <p:par>
-                          <p:cTn id="19" fill="hold">
+                          <p:cTn id="16" fill="hold">
                             <p:stCondLst>
                               <p:cond delay="0"/>
                             </p:stCondLst>
                             <p:childTnLst>
                               <p:par>
-                                <p:cTn id="20" presetID="10" presetClass="entr" presetSubtype="0" fill="hold" nodeType="clickEffect">
+                                <p:cTn id="17" presetID="1" presetClass="entr" presetSubtype="0" fill="hold" nodeType="clickEffect">
                                   <p:stCondLst>
                                     <p:cond delay="0"/>
                                   </p:stCondLst>
                                   <p:childTnLst>
                                     <p:set>
                                       <p:cBhvr>
-                                        <p:cTn id="21" dur="1" fill="hold">
+                                        <p:cTn id="18" dur="1" fill="hold">
                                           <p:stCondLst>
                                             <p:cond delay="0"/>
                                           </p:stCondLst>
@@ -5315,18 +5847,6 @@
                                         <p:strVal val="visible"/>
                                       </p:to>
                                     </p:set>
-                                    <p:animEffect transition="in" filter="fade">
-                                      <p:cBhvr>
-                                        <p:cTn id="22" dur="500"/>
-                                        <p:tgtEl>
-                                          <p:spTgt spid="3">
-                                            <p:txEl>
-                                              <p:pRg st="3" end="3"/>
-                                            </p:txEl>
-                                          </p:spTgt>
-                                        </p:tgtEl>
-                                      </p:cBhvr>
-                                    </p:animEffect>
                                   </p:childTnLst>
                                 </p:cTn>
                               </p:par>
@@ -5417,7 +5937,9 @@
         </p:nvSpPr>
         <p:spPr/>
         <p:txBody>
-          <a:bodyPr/>
+          <a:bodyPr>
+            <a:normAutofit lnSpcReduction="10000"/>
+          </a:bodyPr>
           <a:lstStyle/>
           <a:p>
             <a:pPr marL="0" indent="0" algn="ctr">
@@ -5479,9 +6001,27 @@
             </a:r>
             <a:r>
               <a:rPr lang="en-US" sz="3400" dirty="0" smtClean="0"/>
-              <a:t> Community/industry/philosophy/automation</a:t>
-            </a:r>
-            <a:endParaRPr lang="en-US" sz="3600" dirty="0" smtClean="0"/>
+              <a:t> </a:t>
+            </a:r>
+            <a:r>
+              <a:rPr lang="en-US" sz="3400" dirty="0" smtClean="0"/>
+              <a:t>Community/industry/philosophy/automation</a:t>
+            </a:r>
+            <a:endParaRPr lang="en-US" sz="3400" dirty="0"/>
+          </a:p>
+          <a:p>
+            <a:pPr>
+              <a:buFont typeface="Wingdings" panose="05000000000000000000" pitchFamily="2" charset="2"/>
+              <a:buChar char="q"/>
+            </a:pPr>
+            <a:r>
+              <a:rPr lang="en-US" sz="3400" dirty="0" smtClean="0"/>
+              <a:t> </a:t>
+            </a:r>
+            <a:r>
+              <a:rPr lang="en-US" sz="3400" dirty="0" smtClean="0"/>
+              <a:t> Black Box Testing mainly / yet used as white box testing as well</a:t>
+            </a:r>
           </a:p>
         </p:txBody>
       </p:sp>
@@ -5528,7 +6068,320 @@
   <p:timing>
     <p:tnLst>
       <p:par>
-        <p:cTn id="1" dur="indefinite" restart="never" nodeType="tmRoot"/>
+        <p:cTn id="1" dur="indefinite" restart="never" nodeType="tmRoot">
+          <p:childTnLst>
+            <p:seq concurrent="1" nextAc="seek">
+              <p:cTn id="2" dur="indefinite" nodeType="mainSeq">
+                <p:childTnLst>
+                  <p:par>
+                    <p:cTn id="3" fill="hold">
+                      <p:stCondLst>
+                        <p:cond delay="indefinite"/>
+                      </p:stCondLst>
+                      <p:childTnLst>
+                        <p:par>
+                          <p:cTn id="4" fill="hold">
+                            <p:stCondLst>
+                              <p:cond delay="0"/>
+                            </p:stCondLst>
+                            <p:childTnLst>
+                              <p:par>
+                                <p:cTn id="5" presetID="1" presetClass="entr" presetSubtype="0" fill="hold" nodeType="clickEffect">
+                                  <p:stCondLst>
+                                    <p:cond delay="0"/>
+                                  </p:stCondLst>
+                                  <p:childTnLst>
+                                    <p:set>
+                                      <p:cBhvr>
+                                        <p:cTn id="6" dur="1" fill="hold">
+                                          <p:stCondLst>
+                                            <p:cond delay="0"/>
+                                          </p:stCondLst>
+                                        </p:cTn>
+                                        <p:tgtEl>
+                                          <p:spTgt spid="5"/>
+                                        </p:tgtEl>
+                                        <p:attrNameLst>
+                                          <p:attrName>style.visibility</p:attrName>
+                                        </p:attrNameLst>
+                                      </p:cBhvr>
+                                      <p:to>
+                                        <p:strVal val="visible"/>
+                                      </p:to>
+                                    </p:set>
+                                  </p:childTnLst>
+                                </p:cTn>
+                              </p:par>
+                            </p:childTnLst>
+                          </p:cTn>
+                        </p:par>
+                      </p:childTnLst>
+                    </p:cTn>
+                  </p:par>
+                  <p:par>
+                    <p:cTn id="7" fill="hold">
+                      <p:stCondLst>
+                        <p:cond delay="indefinite"/>
+                      </p:stCondLst>
+                      <p:childTnLst>
+                        <p:par>
+                          <p:cTn id="8" fill="hold">
+                            <p:stCondLst>
+                              <p:cond delay="0"/>
+                            </p:stCondLst>
+                            <p:childTnLst>
+                              <p:par>
+                                <p:cTn id="9" presetID="1" presetClass="entr" presetSubtype="0" fill="hold" nodeType="clickEffect">
+                                  <p:stCondLst>
+                                    <p:cond delay="0"/>
+                                  </p:stCondLst>
+                                  <p:childTnLst>
+                                    <p:set>
+                                      <p:cBhvr>
+                                        <p:cTn id="10" dur="1" fill="hold">
+                                          <p:stCondLst>
+                                            <p:cond delay="0"/>
+                                          </p:stCondLst>
+                                        </p:cTn>
+                                        <p:tgtEl>
+                                          <p:spTgt spid="3">
+                                            <p:txEl>
+                                              <p:pRg st="1" end="1"/>
+                                            </p:txEl>
+                                          </p:spTgt>
+                                        </p:tgtEl>
+                                        <p:attrNameLst>
+                                          <p:attrName>style.visibility</p:attrName>
+                                        </p:attrNameLst>
+                                      </p:cBhvr>
+                                      <p:to>
+                                        <p:strVal val="visible"/>
+                                      </p:to>
+                                    </p:set>
+                                  </p:childTnLst>
+                                </p:cTn>
+                              </p:par>
+                            </p:childTnLst>
+                          </p:cTn>
+                        </p:par>
+                      </p:childTnLst>
+                    </p:cTn>
+                  </p:par>
+                  <p:par>
+                    <p:cTn id="11" fill="hold">
+                      <p:stCondLst>
+                        <p:cond delay="indefinite"/>
+                      </p:stCondLst>
+                      <p:childTnLst>
+                        <p:par>
+                          <p:cTn id="12" fill="hold">
+                            <p:stCondLst>
+                              <p:cond delay="0"/>
+                            </p:stCondLst>
+                            <p:childTnLst>
+                              <p:par>
+                                <p:cTn id="13" presetID="1" presetClass="entr" presetSubtype="0" fill="hold" nodeType="clickEffect">
+                                  <p:stCondLst>
+                                    <p:cond delay="0"/>
+                                  </p:stCondLst>
+                                  <p:childTnLst>
+                                    <p:set>
+                                      <p:cBhvr>
+                                        <p:cTn id="14" dur="1" fill="hold">
+                                          <p:stCondLst>
+                                            <p:cond delay="0"/>
+                                          </p:stCondLst>
+                                        </p:cTn>
+                                        <p:tgtEl>
+                                          <p:spTgt spid="3">
+                                            <p:txEl>
+                                              <p:pRg st="2" end="2"/>
+                                            </p:txEl>
+                                          </p:spTgt>
+                                        </p:tgtEl>
+                                        <p:attrNameLst>
+                                          <p:attrName>style.visibility</p:attrName>
+                                        </p:attrNameLst>
+                                      </p:cBhvr>
+                                      <p:to>
+                                        <p:strVal val="visible"/>
+                                      </p:to>
+                                    </p:set>
+                                  </p:childTnLst>
+                                </p:cTn>
+                              </p:par>
+                            </p:childTnLst>
+                          </p:cTn>
+                        </p:par>
+                      </p:childTnLst>
+                    </p:cTn>
+                  </p:par>
+                  <p:par>
+                    <p:cTn id="15" fill="hold">
+                      <p:stCondLst>
+                        <p:cond delay="indefinite"/>
+                      </p:stCondLst>
+                      <p:childTnLst>
+                        <p:par>
+                          <p:cTn id="16" fill="hold">
+                            <p:stCondLst>
+                              <p:cond delay="0"/>
+                            </p:stCondLst>
+                            <p:childTnLst>
+                              <p:par>
+                                <p:cTn id="17" presetID="1" presetClass="entr" presetSubtype="0" fill="hold" nodeType="clickEffect">
+                                  <p:stCondLst>
+                                    <p:cond delay="0"/>
+                                  </p:stCondLst>
+                                  <p:childTnLst>
+                                    <p:set>
+                                      <p:cBhvr>
+                                        <p:cTn id="18" dur="1" fill="hold">
+                                          <p:stCondLst>
+                                            <p:cond delay="0"/>
+                                          </p:stCondLst>
+                                        </p:cTn>
+                                        <p:tgtEl>
+                                          <p:spTgt spid="3">
+                                            <p:txEl>
+                                              <p:pRg st="3" end="3"/>
+                                            </p:txEl>
+                                          </p:spTgt>
+                                        </p:tgtEl>
+                                        <p:attrNameLst>
+                                          <p:attrName>style.visibility</p:attrName>
+                                        </p:attrNameLst>
+                                      </p:cBhvr>
+                                      <p:to>
+                                        <p:strVal val="visible"/>
+                                      </p:to>
+                                    </p:set>
+                                  </p:childTnLst>
+                                </p:cTn>
+                              </p:par>
+                            </p:childTnLst>
+                          </p:cTn>
+                        </p:par>
+                      </p:childTnLst>
+                    </p:cTn>
+                  </p:par>
+                  <p:par>
+                    <p:cTn id="19" fill="hold">
+                      <p:stCondLst>
+                        <p:cond delay="indefinite"/>
+                      </p:stCondLst>
+                      <p:childTnLst>
+                        <p:par>
+                          <p:cTn id="20" fill="hold">
+                            <p:stCondLst>
+                              <p:cond delay="0"/>
+                            </p:stCondLst>
+                            <p:childTnLst>
+                              <p:par>
+                                <p:cTn id="21" presetID="1" presetClass="entr" presetSubtype="0" fill="hold" nodeType="clickEffect">
+                                  <p:stCondLst>
+                                    <p:cond delay="0"/>
+                                  </p:stCondLst>
+                                  <p:childTnLst>
+                                    <p:set>
+                                      <p:cBhvr>
+                                        <p:cTn id="22" dur="1" fill="hold">
+                                          <p:stCondLst>
+                                            <p:cond delay="0"/>
+                                          </p:stCondLst>
+                                        </p:cTn>
+                                        <p:tgtEl>
+                                          <p:spTgt spid="3">
+                                            <p:txEl>
+                                              <p:pRg st="4" end="4"/>
+                                            </p:txEl>
+                                          </p:spTgt>
+                                        </p:tgtEl>
+                                        <p:attrNameLst>
+                                          <p:attrName>style.visibility</p:attrName>
+                                        </p:attrNameLst>
+                                      </p:cBhvr>
+                                      <p:to>
+                                        <p:strVal val="visible"/>
+                                      </p:to>
+                                    </p:set>
+                                  </p:childTnLst>
+                                </p:cTn>
+                              </p:par>
+                            </p:childTnLst>
+                          </p:cTn>
+                        </p:par>
+                      </p:childTnLst>
+                    </p:cTn>
+                  </p:par>
+                  <p:par>
+                    <p:cTn id="23" fill="hold">
+                      <p:stCondLst>
+                        <p:cond delay="indefinite"/>
+                      </p:stCondLst>
+                      <p:childTnLst>
+                        <p:par>
+                          <p:cTn id="24" fill="hold">
+                            <p:stCondLst>
+                              <p:cond delay="0"/>
+                            </p:stCondLst>
+                            <p:childTnLst>
+                              <p:par>
+                                <p:cTn id="25" presetID="1" presetClass="entr" presetSubtype="0" fill="hold" nodeType="clickEffect">
+                                  <p:stCondLst>
+                                    <p:cond delay="0"/>
+                                  </p:stCondLst>
+                                  <p:childTnLst>
+                                    <p:set>
+                                      <p:cBhvr>
+                                        <p:cTn id="26" dur="1" fill="hold">
+                                          <p:stCondLst>
+                                            <p:cond delay="0"/>
+                                          </p:stCondLst>
+                                        </p:cTn>
+                                        <p:tgtEl>
+                                          <p:spTgt spid="3">
+                                            <p:txEl>
+                                              <p:pRg st="5" end="5"/>
+                                            </p:txEl>
+                                          </p:spTgt>
+                                        </p:tgtEl>
+                                        <p:attrNameLst>
+                                          <p:attrName>style.visibility</p:attrName>
+                                        </p:attrNameLst>
+                                      </p:cBhvr>
+                                      <p:to>
+                                        <p:strVal val="visible"/>
+                                      </p:to>
+                                    </p:set>
+                                  </p:childTnLst>
+                                </p:cTn>
+                              </p:par>
+                            </p:childTnLst>
+                          </p:cTn>
+                        </p:par>
+                      </p:childTnLst>
+                    </p:cTn>
+                  </p:par>
+                </p:childTnLst>
+              </p:cTn>
+              <p:prevCondLst>
+                <p:cond evt="onPrev" delay="0">
+                  <p:tgtEl>
+                    <p:sldTgt/>
+                  </p:tgtEl>
+                </p:cond>
+              </p:prevCondLst>
+              <p:nextCondLst>
+                <p:cond evt="onNext" delay="0">
+                  <p:tgtEl>
+                    <p:sldTgt/>
+                  </p:tgtEl>
+                </p:cond>
+              </p:nextCondLst>
+            </p:seq>
+          </p:childTnLst>
+        </p:cTn>
       </p:par>
     </p:tnLst>
   </p:timing>
@@ -5788,9 +6641,327 @@
   <p:timing>
     <p:tnLst>
       <p:par>
-        <p:cTn id="1" dur="indefinite" restart="never" nodeType="tmRoot"/>
+        <p:cTn id="1" dur="indefinite" restart="never" nodeType="tmRoot">
+          <p:childTnLst>
+            <p:seq concurrent="1" nextAc="seek">
+              <p:cTn id="2" dur="indefinite" nodeType="mainSeq">
+                <p:childTnLst>
+                  <p:par>
+                    <p:cTn id="3" fill="hold">
+                      <p:stCondLst>
+                        <p:cond delay="indefinite"/>
+                      </p:stCondLst>
+                      <p:childTnLst>
+                        <p:par>
+                          <p:cTn id="4" fill="hold">
+                            <p:stCondLst>
+                              <p:cond delay="0"/>
+                            </p:stCondLst>
+                            <p:childTnLst>
+                              <p:par>
+                                <p:cTn id="5" presetID="1" presetClass="entr" presetSubtype="0" fill="hold" grpId="0" nodeType="clickEffect">
+                                  <p:stCondLst>
+                                    <p:cond delay="0"/>
+                                  </p:stCondLst>
+                                  <p:childTnLst>
+                                    <p:set>
+                                      <p:cBhvr>
+                                        <p:cTn id="6" dur="1" fill="hold">
+                                          <p:stCondLst>
+                                            <p:cond delay="0"/>
+                                          </p:stCondLst>
+                                        </p:cTn>
+                                        <p:tgtEl>
+                                          <p:spTgt spid="2"/>
+                                        </p:tgtEl>
+                                        <p:attrNameLst>
+                                          <p:attrName>style.visibility</p:attrName>
+                                        </p:attrNameLst>
+                                      </p:cBhvr>
+                                      <p:to>
+                                        <p:strVal val="visible"/>
+                                      </p:to>
+                                    </p:set>
+                                  </p:childTnLst>
+                                </p:cTn>
+                              </p:par>
+                            </p:childTnLst>
+                          </p:cTn>
+                        </p:par>
+                      </p:childTnLst>
+                    </p:cTn>
+                  </p:par>
+                  <p:par>
+                    <p:cTn id="7" fill="hold">
+                      <p:stCondLst>
+                        <p:cond delay="indefinite"/>
+                      </p:stCondLst>
+                      <p:childTnLst>
+                        <p:par>
+                          <p:cTn id="8" fill="hold">
+                            <p:stCondLst>
+                              <p:cond delay="0"/>
+                            </p:stCondLst>
+                            <p:childTnLst>
+                              <p:par>
+                                <p:cTn id="9" presetID="1" presetClass="entr" presetSubtype="0" fill="hold" grpId="0" nodeType="clickEffect">
+                                  <p:stCondLst>
+                                    <p:cond delay="0"/>
+                                  </p:stCondLst>
+                                  <p:childTnLst>
+                                    <p:set>
+                                      <p:cBhvr>
+                                        <p:cTn id="10" dur="1" fill="hold">
+                                          <p:stCondLst>
+                                            <p:cond delay="0"/>
+                                          </p:stCondLst>
+                                        </p:cTn>
+                                        <p:tgtEl>
+                                          <p:spTgt spid="9">
+                                            <p:txEl>
+                                              <p:pRg st="0" end="0"/>
+                                            </p:txEl>
+                                          </p:spTgt>
+                                        </p:tgtEl>
+                                        <p:attrNameLst>
+                                          <p:attrName>style.visibility</p:attrName>
+                                        </p:attrNameLst>
+                                      </p:cBhvr>
+                                      <p:to>
+                                        <p:strVal val="visible"/>
+                                      </p:to>
+                                    </p:set>
+                                  </p:childTnLst>
+                                </p:cTn>
+                              </p:par>
+                            </p:childTnLst>
+                          </p:cTn>
+                        </p:par>
+                      </p:childTnLst>
+                    </p:cTn>
+                  </p:par>
+                  <p:par>
+                    <p:cTn id="11" fill="hold">
+                      <p:stCondLst>
+                        <p:cond delay="indefinite"/>
+                      </p:stCondLst>
+                      <p:childTnLst>
+                        <p:par>
+                          <p:cTn id="12" fill="hold">
+                            <p:stCondLst>
+                              <p:cond delay="0"/>
+                            </p:stCondLst>
+                            <p:childTnLst>
+                              <p:par>
+                                <p:cTn id="13" presetID="1" presetClass="entr" presetSubtype="0" fill="hold" grpId="0" nodeType="clickEffect">
+                                  <p:stCondLst>
+                                    <p:cond delay="0"/>
+                                  </p:stCondLst>
+                                  <p:childTnLst>
+                                    <p:set>
+                                      <p:cBhvr>
+                                        <p:cTn id="14" dur="1" fill="hold">
+                                          <p:stCondLst>
+                                            <p:cond delay="0"/>
+                                          </p:stCondLst>
+                                        </p:cTn>
+                                        <p:tgtEl>
+                                          <p:spTgt spid="9">
+                                            <p:txEl>
+                                              <p:pRg st="1" end="1"/>
+                                            </p:txEl>
+                                          </p:spTgt>
+                                        </p:tgtEl>
+                                        <p:attrNameLst>
+                                          <p:attrName>style.visibility</p:attrName>
+                                        </p:attrNameLst>
+                                      </p:cBhvr>
+                                      <p:to>
+                                        <p:strVal val="visible"/>
+                                      </p:to>
+                                    </p:set>
+                                  </p:childTnLst>
+                                </p:cTn>
+                              </p:par>
+                            </p:childTnLst>
+                          </p:cTn>
+                        </p:par>
+                      </p:childTnLst>
+                    </p:cTn>
+                  </p:par>
+                  <p:par>
+                    <p:cTn id="15" fill="hold">
+                      <p:stCondLst>
+                        <p:cond delay="indefinite"/>
+                      </p:stCondLst>
+                      <p:childTnLst>
+                        <p:par>
+                          <p:cTn id="16" fill="hold">
+                            <p:stCondLst>
+                              <p:cond delay="0"/>
+                            </p:stCondLst>
+                            <p:childTnLst>
+                              <p:par>
+                                <p:cTn id="17" presetID="1" presetClass="entr" presetSubtype="0" fill="hold" grpId="0" nodeType="clickEffect">
+                                  <p:stCondLst>
+                                    <p:cond delay="0"/>
+                                  </p:stCondLst>
+                                  <p:childTnLst>
+                                    <p:set>
+                                      <p:cBhvr>
+                                        <p:cTn id="18" dur="1" fill="hold">
+                                          <p:stCondLst>
+                                            <p:cond delay="0"/>
+                                          </p:stCondLst>
+                                        </p:cTn>
+                                        <p:tgtEl>
+                                          <p:spTgt spid="9">
+                                            <p:txEl>
+                                              <p:pRg st="4" end="4"/>
+                                            </p:txEl>
+                                          </p:spTgt>
+                                        </p:tgtEl>
+                                        <p:attrNameLst>
+                                          <p:attrName>style.visibility</p:attrName>
+                                        </p:attrNameLst>
+                                      </p:cBhvr>
+                                      <p:to>
+                                        <p:strVal val="visible"/>
+                                      </p:to>
+                                    </p:set>
+                                  </p:childTnLst>
+                                </p:cTn>
+                              </p:par>
+                            </p:childTnLst>
+                          </p:cTn>
+                        </p:par>
+                      </p:childTnLst>
+                    </p:cTn>
+                  </p:par>
+                  <p:par>
+                    <p:cTn id="19" fill="hold">
+                      <p:stCondLst>
+                        <p:cond delay="indefinite"/>
+                      </p:stCondLst>
+                      <p:childTnLst>
+                        <p:par>
+                          <p:cTn id="20" fill="hold">
+                            <p:stCondLst>
+                              <p:cond delay="0"/>
+                            </p:stCondLst>
+                            <p:childTnLst>
+                              <p:par>
+                                <p:cTn id="21" presetID="1" presetClass="entr" presetSubtype="0" fill="hold" nodeType="clickEffect">
+                                  <p:stCondLst>
+                                    <p:cond delay="0"/>
+                                  </p:stCondLst>
+                                  <p:childTnLst>
+                                    <p:set>
+                                      <p:cBhvr>
+                                        <p:cTn id="22" dur="1" fill="hold">
+                                          <p:stCondLst>
+                                            <p:cond delay="0"/>
+                                          </p:stCondLst>
+                                        </p:cTn>
+                                        <p:tgtEl>
+                                          <p:spTgt spid="10"/>
+                                        </p:tgtEl>
+                                        <p:attrNameLst>
+                                          <p:attrName>style.visibility</p:attrName>
+                                        </p:attrNameLst>
+                                      </p:cBhvr>
+                                      <p:to>
+                                        <p:strVal val="visible"/>
+                                      </p:to>
+                                    </p:set>
+                                  </p:childTnLst>
+                                </p:cTn>
+                              </p:par>
+                              <p:par>
+                                <p:cTn id="23" presetID="1" presetClass="entr" presetSubtype="0" fill="hold" nodeType="withEffect">
+                                  <p:stCondLst>
+                                    <p:cond delay="0"/>
+                                  </p:stCondLst>
+                                  <p:childTnLst>
+                                    <p:set>
+                                      <p:cBhvr>
+                                        <p:cTn id="24" dur="1" fill="hold">
+                                          <p:stCondLst>
+                                            <p:cond delay="0"/>
+                                          </p:stCondLst>
+                                        </p:cTn>
+                                        <p:tgtEl>
+                                          <p:spTgt spid="11"/>
+                                        </p:tgtEl>
+                                        <p:attrNameLst>
+                                          <p:attrName>style.visibility</p:attrName>
+                                        </p:attrNameLst>
+                                      </p:cBhvr>
+                                      <p:to>
+                                        <p:strVal val="visible"/>
+                                      </p:to>
+                                    </p:set>
+                                  </p:childTnLst>
+                                </p:cTn>
+                              </p:par>
+                              <p:par>
+                                <p:cTn id="25" presetID="1" presetClass="entr" presetSubtype="0" fill="hold" nodeType="withEffect">
+                                  <p:stCondLst>
+                                    <p:cond delay="0"/>
+                                  </p:stCondLst>
+                                  <p:childTnLst>
+                                    <p:set>
+                                      <p:cBhvr>
+                                        <p:cTn id="26" dur="1" fill="hold">
+                                          <p:stCondLst>
+                                            <p:cond delay="0"/>
+                                          </p:stCondLst>
+                                        </p:cTn>
+                                        <p:tgtEl>
+                                          <p:spTgt spid="12"/>
+                                        </p:tgtEl>
+                                        <p:attrNameLst>
+                                          <p:attrName>style.visibility</p:attrName>
+                                        </p:attrNameLst>
+                                      </p:cBhvr>
+                                      <p:to>
+                                        <p:strVal val="visible"/>
+                                      </p:to>
+                                    </p:set>
+                                  </p:childTnLst>
+                                </p:cTn>
+                              </p:par>
+                            </p:childTnLst>
+                          </p:cTn>
+                        </p:par>
+                      </p:childTnLst>
+                    </p:cTn>
+                  </p:par>
+                </p:childTnLst>
+              </p:cTn>
+              <p:prevCondLst>
+                <p:cond evt="onPrev" delay="0">
+                  <p:tgtEl>
+                    <p:sldTgt/>
+                  </p:tgtEl>
+                </p:cond>
+              </p:prevCondLst>
+              <p:nextCondLst>
+                <p:cond evt="onNext" delay="0">
+                  <p:tgtEl>
+                    <p:sldTgt/>
+                  </p:tgtEl>
+                </p:cond>
+              </p:nextCondLst>
+            </p:seq>
+          </p:childTnLst>
+        </p:cTn>
       </p:par>
     </p:tnLst>
+    <p:bldLst>
+      <p:bldP spid="2" grpId="0"/>
+      <p:bldP spid="9" grpId="0" build="p"/>
+    </p:bldLst>
   </p:timing>
 </p:sld>
 </file>
@@ -6099,7 +7270,7 @@
                             </p:stCondLst>
                             <p:childTnLst>
                               <p:par>
-                                <p:cTn id="5" presetID="10" presetClass="entr" presetSubtype="0" fill="hold" nodeType="clickEffect">
+                                <p:cTn id="5" presetID="1" presetClass="entr" presetSubtype="0" fill="hold" grpId="0" nodeType="clickEffect">
                                   <p:stCondLst>
                                     <p:cond delay="0"/>
                                   </p:stCondLst>
@@ -6126,48 +7297,18 @@
                                         <p:strVal val="visible"/>
                                       </p:to>
                                     </p:set>
-                                    <p:animEffect transition="in" filter="fade">
-                                      <p:cBhvr>
-                                        <p:cTn id="7" dur="500"/>
-                                        <p:tgtEl>
-                                          <p:spTgt spid="3">
-                                            <p:txEl>
-                                              <p:pRg st="0" end="0"/>
-                                            </p:txEl>
-                                          </p:spTgt>
-                                        </p:tgtEl>
-                                      </p:cBhvr>
-                                    </p:animEffect>
                                   </p:childTnLst>
                                 </p:cTn>
                               </p:par>
-                            </p:childTnLst>
-                          </p:cTn>
-                        </p:par>
-                      </p:childTnLst>
-                    </p:cTn>
-                  </p:par>
-                  <p:par>
-                    <p:cTn id="8" fill="hold">
-                      <p:stCondLst>
-                        <p:cond delay="indefinite"/>
-                      </p:stCondLst>
-                      <p:childTnLst>
-                        <p:par>
-                          <p:cTn id="9" fill="hold">
-                            <p:stCondLst>
-                              <p:cond delay="0"/>
-                            </p:stCondLst>
-                            <p:childTnLst>
                               <p:par>
-                                <p:cTn id="10" presetID="10" presetClass="entr" presetSubtype="0" fill="hold" nodeType="clickEffect">
+                                <p:cTn id="7" presetID="1" presetClass="entr" presetSubtype="0" fill="hold" grpId="0" nodeType="withEffect">
                                   <p:stCondLst>
                                     <p:cond delay="0"/>
                                   </p:stCondLst>
                                   <p:childTnLst>
                                     <p:set>
                                       <p:cBhvr>
-                                        <p:cTn id="11" dur="1" fill="hold">
+                                        <p:cTn id="8" dur="1" fill="hold">
                                           <p:stCondLst>
                                             <p:cond delay="0"/>
                                           </p:stCondLst>
@@ -6187,48 +7328,18 @@
                                         <p:strVal val="visible"/>
                                       </p:to>
                                     </p:set>
-                                    <p:animEffect transition="in" filter="fade">
-                                      <p:cBhvr>
-                                        <p:cTn id="12" dur="500"/>
-                                        <p:tgtEl>
-                                          <p:spTgt spid="3">
-                                            <p:txEl>
-                                              <p:pRg st="2" end="2"/>
-                                            </p:txEl>
-                                          </p:spTgt>
-                                        </p:tgtEl>
-                                      </p:cBhvr>
-                                    </p:animEffect>
                                   </p:childTnLst>
                                 </p:cTn>
                               </p:par>
-                            </p:childTnLst>
-                          </p:cTn>
-                        </p:par>
-                      </p:childTnLst>
-                    </p:cTn>
-                  </p:par>
-                  <p:par>
-                    <p:cTn id="13" fill="hold">
-                      <p:stCondLst>
-                        <p:cond delay="indefinite"/>
-                      </p:stCondLst>
-                      <p:childTnLst>
-                        <p:par>
-                          <p:cTn id="14" fill="hold">
-                            <p:stCondLst>
-                              <p:cond delay="0"/>
-                            </p:stCondLst>
-                            <p:childTnLst>
                               <p:par>
-                                <p:cTn id="15" presetID="10" presetClass="entr" presetSubtype="0" fill="hold" nodeType="clickEffect">
+                                <p:cTn id="9" presetID="1" presetClass="entr" presetSubtype="0" fill="hold" grpId="0" nodeType="withEffect">
                                   <p:stCondLst>
                                     <p:cond delay="0"/>
                                   </p:stCondLst>
                                   <p:childTnLst>
                                     <p:set>
                                       <p:cBhvr>
-                                        <p:cTn id="16" dur="1" fill="hold">
+                                        <p:cTn id="10" dur="1" fill="hold">
                                           <p:stCondLst>
                                             <p:cond delay="0"/>
                                           </p:stCondLst>
@@ -6248,48 +7359,18 @@
                                         <p:strVal val="visible"/>
                                       </p:to>
                                     </p:set>
-                                    <p:animEffect transition="in" filter="fade">
-                                      <p:cBhvr>
-                                        <p:cTn id="17" dur="500"/>
-                                        <p:tgtEl>
-                                          <p:spTgt spid="3">
-                                            <p:txEl>
-                                              <p:pRg st="4" end="4"/>
-                                            </p:txEl>
-                                          </p:spTgt>
-                                        </p:tgtEl>
-                                      </p:cBhvr>
-                                    </p:animEffect>
                                   </p:childTnLst>
                                 </p:cTn>
                               </p:par>
-                            </p:childTnLst>
-                          </p:cTn>
-                        </p:par>
-                      </p:childTnLst>
-                    </p:cTn>
-                  </p:par>
-                  <p:par>
-                    <p:cTn id="18" fill="hold">
-                      <p:stCondLst>
-                        <p:cond delay="indefinite"/>
-                      </p:stCondLst>
-                      <p:childTnLst>
-                        <p:par>
-                          <p:cTn id="19" fill="hold">
-                            <p:stCondLst>
-                              <p:cond delay="0"/>
-                            </p:stCondLst>
-                            <p:childTnLst>
                               <p:par>
-                                <p:cTn id="20" presetID="10" presetClass="entr" presetSubtype="0" fill="hold" nodeType="clickEffect">
+                                <p:cTn id="11" presetID="1" presetClass="entr" presetSubtype="0" fill="hold" grpId="0" nodeType="withEffect">
                                   <p:stCondLst>
                                     <p:cond delay="0"/>
                                   </p:stCondLst>
                                   <p:childTnLst>
                                     <p:set>
                                       <p:cBhvr>
-                                        <p:cTn id="21" dur="1" fill="hold">
+                                        <p:cTn id="12" dur="1" fill="hold">
                                           <p:stCondLst>
                                             <p:cond delay="0"/>
                                           </p:stCondLst>
@@ -6309,18 +7390,105 @@
                                         <p:strVal val="visible"/>
                                       </p:to>
                                     </p:set>
-                                    <p:animEffect transition="in" filter="fade">
+                                  </p:childTnLst>
+                                </p:cTn>
+                              </p:par>
+                              <p:par>
+                                <p:cTn id="13" presetID="1" presetClass="entr" presetSubtype="0" fill="hold" nodeType="withEffect">
+                                  <p:stCondLst>
+                                    <p:cond delay="0"/>
+                                  </p:stCondLst>
+                                  <p:childTnLst>
+                                    <p:set>
                                       <p:cBhvr>
-                                        <p:cTn id="22" dur="500"/>
+                                        <p:cTn id="14" dur="1" fill="hold">
+                                          <p:stCondLst>
+                                            <p:cond delay="0"/>
+                                          </p:stCondLst>
+                                        </p:cTn>
                                         <p:tgtEl>
-                                          <p:spTgt spid="3">
-                                            <p:txEl>
-                                              <p:pRg st="10" end="10"/>
-                                            </p:txEl>
-                                          </p:spTgt>
+                                          <p:spTgt spid="7"/>
                                         </p:tgtEl>
+                                        <p:attrNameLst>
+                                          <p:attrName>style.visibility</p:attrName>
+                                        </p:attrNameLst>
                                       </p:cBhvr>
-                                    </p:animEffect>
+                                      <p:to>
+                                        <p:strVal val="visible"/>
+                                      </p:to>
+                                    </p:set>
+                                  </p:childTnLst>
+                                </p:cTn>
+                              </p:par>
+                              <p:par>
+                                <p:cTn id="15" presetID="1" presetClass="entr" presetSubtype="0" fill="hold" nodeType="withEffect">
+                                  <p:stCondLst>
+                                    <p:cond delay="0"/>
+                                  </p:stCondLst>
+                                  <p:childTnLst>
+                                    <p:set>
+                                      <p:cBhvr>
+                                        <p:cTn id="16" dur="1" fill="hold">
+                                          <p:stCondLst>
+                                            <p:cond delay="0"/>
+                                          </p:stCondLst>
+                                        </p:cTn>
+                                        <p:tgtEl>
+                                          <p:spTgt spid="8"/>
+                                        </p:tgtEl>
+                                        <p:attrNameLst>
+                                          <p:attrName>style.visibility</p:attrName>
+                                        </p:attrNameLst>
+                                      </p:cBhvr>
+                                      <p:to>
+                                        <p:strVal val="visible"/>
+                                      </p:to>
+                                    </p:set>
+                                  </p:childTnLst>
+                                </p:cTn>
+                              </p:par>
+                            </p:childTnLst>
+                          </p:cTn>
+                        </p:par>
+                      </p:childTnLst>
+                    </p:cTn>
+                  </p:par>
+                  <p:par>
+                    <p:cTn id="17" fill="hold">
+                      <p:stCondLst>
+                        <p:cond delay="indefinite"/>
+                      </p:stCondLst>
+                      <p:childTnLst>
+                        <p:par>
+                          <p:cTn id="18" fill="hold">
+                            <p:stCondLst>
+                              <p:cond delay="0"/>
+                            </p:stCondLst>
+                            <p:childTnLst>
+                              <p:par>
+                                <p:cTn id="19" presetID="1" presetClass="entr" presetSubtype="0" fill="hold" nodeType="clickEffect">
+                                  <p:stCondLst>
+                                    <p:cond delay="0"/>
+                                  </p:stCondLst>
+                                  <p:childTnLst>
+                                    <p:set>
+                                      <p:cBhvr>
+                                        <p:cTn id="20" dur="1" fill="hold">
+                                          <p:stCondLst>
+                                            <p:cond delay="0"/>
+                                          </p:stCondLst>
+                                        </p:cTn>
+                                        <p:tgtEl>
+                                          <p:spTgt spid="9"/>
+                                        </p:tgtEl>
+                                        <p:attrNameLst>
+                                          <p:attrName>style.visibility</p:attrName>
+                                        </p:attrNameLst>
+                                      </p:cBhvr>
+                                      <p:to>
+                                        <p:strVal val="visible"/>
+                                      </p:to>
+                                    </p:set>
                                   </p:childTnLst>
                                 </p:cTn>
                               </p:par>
@@ -6351,6 +7519,9 @@
         </p:cTn>
       </p:par>
     </p:tnLst>
+    <p:bldLst>
+      <p:bldP spid="3" grpId="0" build="p"/>
+    </p:bldLst>
   </p:timing>
 </p:sld>
 </file>
@@ -6615,6 +7786,357 @@
   <p:clrMapOvr>
     <a:masterClrMapping/>
   </p:clrMapOvr>
+  <p:timing>
+    <p:tnLst>
+      <p:par>
+        <p:cTn id="1" dur="indefinite" restart="never" nodeType="tmRoot">
+          <p:childTnLst>
+            <p:seq concurrent="1" nextAc="seek">
+              <p:cTn id="2" dur="indefinite" nodeType="mainSeq">
+                <p:childTnLst>
+                  <p:par>
+                    <p:cTn id="3" fill="hold">
+                      <p:stCondLst>
+                        <p:cond delay="indefinite"/>
+                      </p:stCondLst>
+                      <p:childTnLst>
+                        <p:par>
+                          <p:cTn id="4" fill="hold">
+                            <p:stCondLst>
+                              <p:cond delay="0"/>
+                            </p:stCondLst>
+                            <p:childTnLst>
+                              <p:par>
+                                <p:cTn id="5" presetID="1" presetClass="entr" presetSubtype="0" fill="hold" grpId="0" nodeType="clickEffect">
+                                  <p:stCondLst>
+                                    <p:cond delay="0"/>
+                                  </p:stCondLst>
+                                  <p:childTnLst>
+                                    <p:set>
+                                      <p:cBhvr>
+                                        <p:cTn id="6" dur="1" fill="hold">
+                                          <p:stCondLst>
+                                            <p:cond delay="0"/>
+                                          </p:stCondLst>
+                                        </p:cTn>
+                                        <p:tgtEl>
+                                          <p:spTgt spid="2"/>
+                                        </p:tgtEl>
+                                        <p:attrNameLst>
+                                          <p:attrName>style.visibility</p:attrName>
+                                        </p:attrNameLst>
+                                      </p:cBhvr>
+                                      <p:to>
+                                        <p:strVal val="visible"/>
+                                      </p:to>
+                                    </p:set>
+                                  </p:childTnLst>
+                                </p:cTn>
+                              </p:par>
+                            </p:childTnLst>
+                          </p:cTn>
+                        </p:par>
+                      </p:childTnLst>
+                    </p:cTn>
+                  </p:par>
+                  <p:par>
+                    <p:cTn id="7" fill="hold">
+                      <p:stCondLst>
+                        <p:cond delay="indefinite"/>
+                      </p:stCondLst>
+                      <p:childTnLst>
+                        <p:par>
+                          <p:cTn id="8" fill="hold">
+                            <p:stCondLst>
+                              <p:cond delay="0"/>
+                            </p:stCondLst>
+                            <p:childTnLst>
+                              <p:par>
+                                <p:cTn id="9" presetID="1" presetClass="entr" presetSubtype="0" fill="hold" nodeType="clickEffect">
+                                  <p:stCondLst>
+                                    <p:cond delay="0"/>
+                                  </p:stCondLst>
+                                  <p:childTnLst>
+                                    <p:set>
+                                      <p:cBhvr>
+                                        <p:cTn id="10" dur="1" fill="hold">
+                                          <p:stCondLst>
+                                            <p:cond delay="0"/>
+                                          </p:stCondLst>
+                                        </p:cTn>
+                                        <p:tgtEl>
+                                          <p:spTgt spid="1032"/>
+                                        </p:tgtEl>
+                                        <p:attrNameLst>
+                                          <p:attrName>style.visibility</p:attrName>
+                                        </p:attrNameLst>
+                                      </p:cBhvr>
+                                      <p:to>
+                                        <p:strVal val="visible"/>
+                                      </p:to>
+                                    </p:set>
+                                  </p:childTnLst>
+                                </p:cTn>
+                              </p:par>
+                              <p:par>
+                                <p:cTn id="11" presetID="1" presetClass="entr" presetSubtype="0" fill="hold" nodeType="withEffect">
+                                  <p:stCondLst>
+                                    <p:cond delay="0"/>
+                                  </p:stCondLst>
+                                  <p:childTnLst>
+                                    <p:set>
+                                      <p:cBhvr>
+                                        <p:cTn id="12" dur="1" fill="hold">
+                                          <p:stCondLst>
+                                            <p:cond delay="0"/>
+                                          </p:stCondLst>
+                                        </p:cTn>
+                                        <p:tgtEl>
+                                          <p:spTgt spid="8"/>
+                                        </p:tgtEl>
+                                        <p:attrNameLst>
+                                          <p:attrName>style.visibility</p:attrName>
+                                        </p:attrNameLst>
+                                      </p:cBhvr>
+                                      <p:to>
+                                        <p:strVal val="visible"/>
+                                      </p:to>
+                                    </p:set>
+                                  </p:childTnLst>
+                                </p:cTn>
+                              </p:par>
+                            </p:childTnLst>
+                          </p:cTn>
+                        </p:par>
+                      </p:childTnLst>
+                    </p:cTn>
+                  </p:par>
+                  <p:par>
+                    <p:cTn id="13" fill="hold">
+                      <p:stCondLst>
+                        <p:cond delay="indefinite"/>
+                      </p:stCondLst>
+                      <p:childTnLst>
+                        <p:par>
+                          <p:cTn id="14" fill="hold">
+                            <p:stCondLst>
+                              <p:cond delay="0"/>
+                            </p:stCondLst>
+                            <p:childTnLst>
+                              <p:par>
+                                <p:cTn id="15" presetID="1" presetClass="entr" presetSubtype="0" fill="hold" nodeType="clickEffect">
+                                  <p:stCondLst>
+                                    <p:cond delay="0"/>
+                                  </p:stCondLst>
+                                  <p:childTnLst>
+                                    <p:set>
+                                      <p:cBhvr>
+                                        <p:cTn id="16" dur="1" fill="hold">
+                                          <p:stCondLst>
+                                            <p:cond delay="0"/>
+                                          </p:stCondLst>
+                                        </p:cTn>
+                                        <p:tgtEl>
+                                          <p:spTgt spid="4">
+                                            <p:txEl>
+                                              <p:pRg st="1" end="1"/>
+                                            </p:txEl>
+                                          </p:spTgt>
+                                        </p:tgtEl>
+                                        <p:attrNameLst>
+                                          <p:attrName>style.visibility</p:attrName>
+                                        </p:attrNameLst>
+                                      </p:cBhvr>
+                                      <p:to>
+                                        <p:strVal val="visible"/>
+                                      </p:to>
+                                    </p:set>
+                                  </p:childTnLst>
+                                </p:cTn>
+                              </p:par>
+                              <p:par>
+                                <p:cTn id="17" presetID="1" presetClass="entr" presetSubtype="0" fill="hold" nodeType="withEffect">
+                                  <p:stCondLst>
+                                    <p:cond delay="0"/>
+                                  </p:stCondLst>
+                                  <p:childTnLst>
+                                    <p:set>
+                                      <p:cBhvr>
+                                        <p:cTn id="18" dur="1" fill="hold">
+                                          <p:stCondLst>
+                                            <p:cond delay="0"/>
+                                          </p:stCondLst>
+                                        </p:cTn>
+                                        <p:tgtEl>
+                                          <p:spTgt spid="4">
+                                            <p:txEl>
+                                              <p:pRg st="2" end="2"/>
+                                            </p:txEl>
+                                          </p:spTgt>
+                                        </p:tgtEl>
+                                        <p:attrNameLst>
+                                          <p:attrName>style.visibility</p:attrName>
+                                        </p:attrNameLst>
+                                      </p:cBhvr>
+                                      <p:to>
+                                        <p:strVal val="visible"/>
+                                      </p:to>
+                                    </p:set>
+                                  </p:childTnLst>
+                                </p:cTn>
+                              </p:par>
+                            </p:childTnLst>
+                          </p:cTn>
+                        </p:par>
+                      </p:childTnLst>
+                    </p:cTn>
+                  </p:par>
+                  <p:par>
+                    <p:cTn id="19" fill="hold">
+                      <p:stCondLst>
+                        <p:cond delay="indefinite"/>
+                      </p:stCondLst>
+                      <p:childTnLst>
+                        <p:par>
+                          <p:cTn id="20" fill="hold">
+                            <p:stCondLst>
+                              <p:cond delay="0"/>
+                            </p:stCondLst>
+                            <p:childTnLst>
+                              <p:par>
+                                <p:cTn id="21" presetID="1" presetClass="entr" presetSubtype="0" fill="hold" nodeType="clickEffect">
+                                  <p:stCondLst>
+                                    <p:cond delay="0"/>
+                                  </p:stCondLst>
+                                  <p:childTnLst>
+                                    <p:set>
+                                      <p:cBhvr>
+                                        <p:cTn id="22" dur="1" fill="hold">
+                                          <p:stCondLst>
+                                            <p:cond delay="0"/>
+                                          </p:stCondLst>
+                                        </p:cTn>
+                                        <p:tgtEl>
+                                          <p:spTgt spid="1034"/>
+                                        </p:tgtEl>
+                                        <p:attrNameLst>
+                                          <p:attrName>style.visibility</p:attrName>
+                                        </p:attrNameLst>
+                                      </p:cBhvr>
+                                      <p:to>
+                                        <p:strVal val="visible"/>
+                                      </p:to>
+                                    </p:set>
+                                  </p:childTnLst>
+                                </p:cTn>
+                              </p:par>
+                              <p:par>
+                                <p:cTn id="23" presetID="1" presetClass="entr" presetSubtype="0" fill="hold" nodeType="withEffect">
+                                  <p:stCondLst>
+                                    <p:cond delay="0"/>
+                                  </p:stCondLst>
+                                  <p:childTnLst>
+                                    <p:set>
+                                      <p:cBhvr>
+                                        <p:cTn id="24" dur="1" fill="hold">
+                                          <p:stCondLst>
+                                            <p:cond delay="0"/>
+                                          </p:stCondLst>
+                                        </p:cTn>
+                                        <p:tgtEl>
+                                          <p:spTgt spid="9"/>
+                                        </p:tgtEl>
+                                        <p:attrNameLst>
+                                          <p:attrName>style.visibility</p:attrName>
+                                        </p:attrNameLst>
+                                      </p:cBhvr>
+                                      <p:to>
+                                        <p:strVal val="visible"/>
+                                      </p:to>
+                                    </p:set>
+                                  </p:childTnLst>
+                                </p:cTn>
+                              </p:par>
+                            </p:childTnLst>
+                          </p:cTn>
+                        </p:par>
+                      </p:childTnLst>
+                    </p:cTn>
+                  </p:par>
+                  <p:par>
+                    <p:cTn id="25" fill="hold">
+                      <p:stCondLst>
+                        <p:cond delay="indefinite"/>
+                      </p:stCondLst>
+                      <p:childTnLst>
+                        <p:par>
+                          <p:cTn id="26" fill="hold">
+                            <p:stCondLst>
+                              <p:cond delay="0"/>
+                            </p:stCondLst>
+                            <p:childTnLst>
+                              <p:par>
+                                <p:cTn id="27" presetID="1" presetClass="entr" presetSubtype="0" fill="hold" nodeType="clickEffect">
+                                  <p:stCondLst>
+                                    <p:cond delay="0"/>
+                                  </p:stCondLst>
+                                  <p:childTnLst>
+                                    <p:set>
+                                      <p:cBhvr>
+                                        <p:cTn id="28" dur="1" fill="hold">
+                                          <p:stCondLst>
+                                            <p:cond delay="0"/>
+                                          </p:stCondLst>
+                                        </p:cTn>
+                                        <p:tgtEl>
+                                          <p:spTgt spid="7">
+                                            <p:txEl>
+                                              <p:pRg st="0" end="0"/>
+                                            </p:txEl>
+                                          </p:spTgt>
+                                        </p:tgtEl>
+                                        <p:attrNameLst>
+                                          <p:attrName>style.visibility</p:attrName>
+                                        </p:attrNameLst>
+                                      </p:cBhvr>
+                                      <p:to>
+                                        <p:strVal val="visible"/>
+                                      </p:to>
+                                    </p:set>
+                                  </p:childTnLst>
+                                </p:cTn>
+                              </p:par>
+                            </p:childTnLst>
+                          </p:cTn>
+                        </p:par>
+                      </p:childTnLst>
+                    </p:cTn>
+                  </p:par>
+                </p:childTnLst>
+              </p:cTn>
+              <p:prevCondLst>
+                <p:cond evt="onPrev" delay="0">
+                  <p:tgtEl>
+                    <p:sldTgt/>
+                  </p:tgtEl>
+                </p:cond>
+              </p:prevCondLst>
+              <p:nextCondLst>
+                <p:cond evt="onNext" delay="0">
+                  <p:tgtEl>
+                    <p:sldTgt/>
+                  </p:tgtEl>
+                </p:cond>
+              </p:nextCondLst>
+            </p:seq>
+          </p:childTnLst>
+        </p:cTn>
+      </p:par>
+    </p:tnLst>
+    <p:bldLst>
+      <p:bldP spid="2" grpId="0"/>
+    </p:bldLst>
+  </p:timing>
 </p:sld>
 </file>
 
@@ -6652,11 +8174,7 @@
           <a:p>
             <a:r>
               <a:rPr lang="en-US" dirty="0" smtClean="0"/>
-              <a:t>Basic testing </a:t>
-            </a:r>
-            <a:r>
-              <a:rPr lang="en-US" dirty="0" smtClean="0"/>
-              <a:t>knowledge - designing</a:t>
+              <a:t>Basic testing knowledge - designing</a:t>
             </a:r>
             <a:endParaRPr lang="ro-RO" dirty="0"/>
           </a:p>
@@ -6693,11 +8211,7 @@
             </a:pPr>
             <a:r>
               <a:rPr lang="en-US" b="1" dirty="0"/>
-              <a:t> </a:t>
-            </a:r>
-            <a:r>
-              <a:rPr lang="en-US" b="1" dirty="0"/>
-              <a:t>Including a jar: </a:t>
+              <a:t> Including a jar: </a:t>
             </a:r>
             <a:r>
               <a:rPr lang="en-US" b="1" dirty="0" smtClean="0"/>
@@ -7807,7 +9321,173 @@
   <p:timing>
     <p:tnLst>
       <p:par>
-        <p:cTn id="1" dur="indefinite" restart="never" nodeType="tmRoot"/>
+        <p:cTn id="1" dur="indefinite" restart="never" nodeType="tmRoot">
+          <p:childTnLst>
+            <p:seq concurrent="1" nextAc="seek">
+              <p:cTn id="2" dur="indefinite" nodeType="mainSeq">
+                <p:childTnLst>
+                  <p:par>
+                    <p:cTn id="3" fill="hold">
+                      <p:stCondLst>
+                        <p:cond delay="indefinite"/>
+                      </p:stCondLst>
+                      <p:childTnLst>
+                        <p:par>
+                          <p:cTn id="4" fill="hold">
+                            <p:stCondLst>
+                              <p:cond delay="0"/>
+                            </p:stCondLst>
+                            <p:childTnLst>
+                              <p:par>
+                                <p:cTn id="5" presetID="1" presetClass="entr" presetSubtype="0" fill="hold" nodeType="clickEffect">
+                                  <p:stCondLst>
+                                    <p:cond delay="0"/>
+                                  </p:stCondLst>
+                                  <p:childTnLst>
+                                    <p:set>
+                                      <p:cBhvr>
+                                        <p:cTn id="6" dur="1" fill="hold">
+                                          <p:stCondLst>
+                                            <p:cond delay="0"/>
+                                          </p:stCondLst>
+                                        </p:cTn>
+                                        <p:tgtEl>
+                                          <p:spTgt spid="3">
+                                            <p:txEl>
+                                              <p:pRg st="0" end="0"/>
+                                            </p:txEl>
+                                          </p:spTgt>
+                                        </p:tgtEl>
+                                        <p:attrNameLst>
+                                          <p:attrName>style.visibility</p:attrName>
+                                        </p:attrNameLst>
+                                      </p:cBhvr>
+                                      <p:to>
+                                        <p:strVal val="visible"/>
+                                      </p:to>
+                                    </p:set>
+                                  </p:childTnLst>
+                                </p:cTn>
+                              </p:par>
+                            </p:childTnLst>
+                          </p:cTn>
+                        </p:par>
+                      </p:childTnLst>
+                    </p:cTn>
+                  </p:par>
+                  <p:par>
+                    <p:cTn id="7" fill="hold">
+                      <p:stCondLst>
+                        <p:cond delay="indefinite"/>
+                      </p:stCondLst>
+                      <p:childTnLst>
+                        <p:par>
+                          <p:cTn id="8" fill="hold">
+                            <p:stCondLst>
+                              <p:cond delay="0"/>
+                            </p:stCondLst>
+                            <p:childTnLst>
+                              <p:par>
+                                <p:cTn id="9" presetID="1" presetClass="entr" presetSubtype="0" fill="hold" nodeType="clickEffect">
+                                  <p:stCondLst>
+                                    <p:cond delay="0"/>
+                                  </p:stCondLst>
+                                  <p:childTnLst>
+                                    <p:set>
+                                      <p:cBhvr>
+                                        <p:cTn id="10" dur="1" fill="hold">
+                                          <p:stCondLst>
+                                            <p:cond delay="0"/>
+                                          </p:stCondLst>
+                                        </p:cTn>
+                                        <p:tgtEl>
+                                          <p:spTgt spid="3">
+                                            <p:txEl>
+                                              <p:pRg st="1" end="1"/>
+                                            </p:txEl>
+                                          </p:spTgt>
+                                        </p:tgtEl>
+                                        <p:attrNameLst>
+                                          <p:attrName>style.visibility</p:attrName>
+                                        </p:attrNameLst>
+                                      </p:cBhvr>
+                                      <p:to>
+                                        <p:strVal val="visible"/>
+                                      </p:to>
+                                    </p:set>
+                                  </p:childTnLst>
+                                </p:cTn>
+                              </p:par>
+                            </p:childTnLst>
+                          </p:cTn>
+                        </p:par>
+                      </p:childTnLst>
+                    </p:cTn>
+                  </p:par>
+                  <p:par>
+                    <p:cTn id="11" fill="hold">
+                      <p:stCondLst>
+                        <p:cond delay="indefinite"/>
+                      </p:stCondLst>
+                      <p:childTnLst>
+                        <p:par>
+                          <p:cTn id="12" fill="hold">
+                            <p:stCondLst>
+                              <p:cond delay="0"/>
+                            </p:stCondLst>
+                            <p:childTnLst>
+                              <p:par>
+                                <p:cTn id="13" presetID="1" presetClass="entr" presetSubtype="0" fill="hold" nodeType="clickEffect">
+                                  <p:stCondLst>
+                                    <p:cond delay="0"/>
+                                  </p:stCondLst>
+                                  <p:childTnLst>
+                                    <p:set>
+                                      <p:cBhvr>
+                                        <p:cTn id="14" dur="1" fill="hold">
+                                          <p:stCondLst>
+                                            <p:cond delay="0"/>
+                                          </p:stCondLst>
+                                        </p:cTn>
+                                        <p:tgtEl>
+                                          <p:spTgt spid="7"/>
+                                        </p:tgtEl>
+                                        <p:attrNameLst>
+                                          <p:attrName>style.visibility</p:attrName>
+                                        </p:attrNameLst>
+                                      </p:cBhvr>
+                                      <p:to>
+                                        <p:strVal val="visible"/>
+                                      </p:to>
+                                    </p:set>
+                                  </p:childTnLst>
+                                </p:cTn>
+                              </p:par>
+                            </p:childTnLst>
+                          </p:cTn>
+                        </p:par>
+                      </p:childTnLst>
+                    </p:cTn>
+                  </p:par>
+                </p:childTnLst>
+              </p:cTn>
+              <p:prevCondLst>
+                <p:cond evt="onPrev" delay="0">
+                  <p:tgtEl>
+                    <p:sldTgt/>
+                  </p:tgtEl>
+                </p:cond>
+              </p:prevCondLst>
+              <p:nextCondLst>
+                <p:cond evt="onNext" delay="0">
+                  <p:tgtEl>
+                    <p:sldTgt/>
+                  </p:tgtEl>
+                </p:cond>
+              </p:nextCondLst>
+            </p:seq>
+          </p:childTnLst>
+        </p:cTn>
       </p:par>
     </p:tnLst>
   </p:timing>
